--- a/files/SENS Slide Design.pptx
+++ b/files/SENS Slide Design.pptx
@@ -571,7 +571,7 @@
               </a14:hiddenFill>
             </a:ext>
             <a:ext uri="{FAA26D3D-D897-4be2-8F04-BA451C77F1D7}">
-              <ma14:placeholderFlag xmlns="" xmlns:ma14="http://schemas.microsoft.com/office/mac/drawingml/2011/main" val="1"/>
+              <ma14:placeholderFlag xmlns:ma14="http://schemas.microsoft.com/office/mac/drawingml/2011/main" xmlns="" val="1"/>
             </a:ext>
           </a:extLst>
         </p:spPr>
@@ -1431,7 +1431,7 @@
           <p:nvPr userDrawn="1"/>
         </p:nvPicPr>
         <p:blipFill>
-          <a:blip r:embed="rId4" cstate="screen">
+          <a:blip r:embed="rId4" cstate="email">
             <a:duotone>
               <a:schemeClr val="accent2">
                 <a:shade val="45000"/>
@@ -1473,7 +1473,7 @@
           <p:nvPr userDrawn="1"/>
         </p:nvPicPr>
         <p:blipFill>
-          <a:blip r:embed="rId5">
+          <a:blip r:embed="rId5" cstate="email">
             <a:duotone>
               <a:schemeClr val="bg2">
                 <a:shade val="45000"/>
@@ -1490,6 +1490,9 @@
                     </a14:imgEffect>
                   </a14:imgLayer>
                 </a14:imgProps>
+              </a:ext>
+              <a:ext uri="{28A0092B-C50C-407E-A947-70E740481C1C}">
+                <a14:useLocalDpi xmlns:a14="http://schemas.microsoft.com/office/drawing/2010/main"/>
               </a:ext>
             </a:extLst>
           </a:blip>
@@ -1694,7 +1697,7 @@
           <p:nvPr userDrawn="1"/>
         </p:nvPicPr>
         <p:blipFill>
-          <a:blip r:embed="rId2" cstate="screen">
+          <a:blip r:embed="rId2" cstate="email">
             <a:duotone>
               <a:schemeClr val="accent2">
                 <a:shade val="45000"/>
@@ -1723,10 +1726,10 @@
       </p:pic>
       <p:sp>
         <p:nvSpPr>
-          <p:cNvPr id="15" name="TextBox 14">
+          <p:cNvPr id="7" name="TextBox 6">
             <a:extLst>
               <a:ext uri="{FF2B5EF4-FFF2-40B4-BE49-F238E27FC236}">
-                <a16:creationId xmlns:a16="http://schemas.microsoft.com/office/drawing/2014/main" id="{6FD35383-FCE1-4F33-B19A-B7FB2FE18856}"/>
+                <a16:creationId xmlns:a16="http://schemas.microsoft.com/office/drawing/2014/main" id="{5CAA5680-8B7B-4DD0-AE03-6ED91D68DA48}"/>
               </a:ext>
             </a:extLst>
           </p:cNvPr>
@@ -1736,7 +1739,7 @@
         <p:spPr>
           <a:xfrm>
             <a:off x="321269" y="6248195"/>
-            <a:ext cx="973343" cy="338554"/>
+            <a:ext cx="1374094" cy="338554"/>
           </a:xfrm>
           <a:prstGeom prst="rect">
             <a:avLst/>
@@ -1757,7 +1760,7 @@
                 </a:solidFill>
                 <a:latin typeface="+mn-lt"/>
               </a:rPr>
-              <a:t> L#, S</a:t>
+              <a:t> M#, L#, S</a:t>
             </a:r>
             <a:fld id="{C49D20B1-0957-4D96-933D-CE19A2178CB6}" type="slidenum">
               <a:rPr lang="en-CA" sz="1600" smtClean="0">
@@ -1818,51 +1821,6 @@
       </p:grpSpPr>
       <p:pic>
         <p:nvPicPr>
-          <p:cNvPr id="8" name="Picture 2">
-            <a:extLst>
-              <a:ext uri="{FF2B5EF4-FFF2-40B4-BE49-F238E27FC236}">
-                <a16:creationId xmlns:a16="http://schemas.microsoft.com/office/drawing/2014/main" id="{C198A475-CBC1-471C-A87F-E416360942E4}"/>
-              </a:ext>
-            </a:extLst>
-          </p:cNvPr>
-          <p:cNvPicPr>
-            <a:picLocks noChangeAspect="1" noChangeArrowheads="1"/>
-          </p:cNvPicPr>
-          <p:nvPr userDrawn="1"/>
-        </p:nvPicPr>
-        <p:blipFill rotWithShape="1">
-          <a:blip r:embed="rId2" cstate="screen">
-            <a:extLst>
-              <a:ext uri="{28A0092B-C50C-407E-A947-70E740481C1C}">
-                <a14:useLocalDpi xmlns:a14="http://schemas.microsoft.com/office/drawing/2010/main"/>
-              </a:ext>
-            </a:extLst>
-          </a:blip>
-          <a:srcRect/>
-          <a:stretch/>
-        </p:blipFill>
-        <p:spPr bwMode="auto">
-          <a:xfrm>
-            <a:off x="-8626" y="980728"/>
-            <a:ext cx="12200626" cy="2952328"/>
-          </a:xfrm>
-          <a:prstGeom prst="rect">
-            <a:avLst/>
-          </a:prstGeom>
-          <a:noFill/>
-          <a:extLst>
-            <a:ext uri="{909E8E84-426E-40DD-AFC4-6F175D3DCCD1}">
-              <a14:hiddenFill xmlns:a14="http://schemas.microsoft.com/office/drawing/2010/main">
-                <a:solidFill>
-                  <a:srgbClr val="FFFFFF"/>
-                </a:solidFill>
-              </a14:hiddenFill>
-            </a:ext>
-          </a:extLst>
-        </p:spPr>
-      </p:pic>
-      <p:pic>
-        <p:nvPicPr>
           <p:cNvPr id="17" name="Picture 16">
             <a:extLst>
               <a:ext uri="{FF2B5EF4-FFF2-40B4-BE49-F238E27FC236}">
@@ -1876,7 +1834,7 @@
           <p:nvPr userDrawn="1"/>
         </p:nvPicPr>
         <p:blipFill>
-          <a:blip r:embed="rId3" cstate="screen">
+          <a:blip r:embed="rId2" cstate="email">
             <a:duotone>
               <a:schemeClr val="accent2">
                 <a:shade val="45000"/>
@@ -2258,6 +2216,51 @@
           </a:p>
         </p:txBody>
       </p:sp>
+      <p:pic>
+        <p:nvPicPr>
+          <p:cNvPr id="9" name="Picture 2">
+            <a:extLst>
+              <a:ext uri="{FF2B5EF4-FFF2-40B4-BE49-F238E27FC236}">
+                <a16:creationId xmlns:a16="http://schemas.microsoft.com/office/drawing/2014/main" id="{2039501A-3E02-42C4-9CA4-D6D6CAA107FC}"/>
+              </a:ext>
+            </a:extLst>
+          </p:cNvPr>
+          <p:cNvPicPr>
+            <a:picLocks noChangeAspect="1" noChangeArrowheads="1"/>
+          </p:cNvPicPr>
+          <p:nvPr userDrawn="1"/>
+        </p:nvPicPr>
+        <p:blipFill rotWithShape="1">
+          <a:blip r:embed="rId3" cstate="email">
+            <a:extLst>
+              <a:ext uri="{28A0092B-C50C-407E-A947-70E740481C1C}">
+                <a14:useLocalDpi xmlns:a14="http://schemas.microsoft.com/office/drawing/2010/main"/>
+              </a:ext>
+            </a:extLst>
+          </a:blip>
+          <a:srcRect/>
+          <a:stretch/>
+        </p:blipFill>
+        <p:spPr bwMode="auto">
+          <a:xfrm>
+            <a:off x="0" y="980728"/>
+            <a:ext cx="12192000" cy="2952328"/>
+          </a:xfrm>
+          <a:prstGeom prst="rect">
+            <a:avLst/>
+          </a:prstGeom>
+          <a:noFill/>
+          <a:extLst>
+            <a:ext uri="{909E8E84-426E-40DD-AFC4-6F175D3DCCD1}">
+              <a14:hiddenFill xmlns:a14="http://schemas.microsoft.com/office/drawing/2010/main">
+                <a:solidFill>
+                  <a:srgbClr val="FFFFFF"/>
+                </a:solidFill>
+              </a14:hiddenFill>
+            </a:ext>
+          </a:extLst>
+        </p:spPr>
+      </p:pic>
     </p:spTree>
     <p:extLst>
       <p:ext uri="{BB962C8B-B14F-4D97-AF65-F5344CB8AC3E}">
@@ -2455,51 +2458,6 @@
           </a:p>
         </p:txBody>
       </p:sp>
-      <p:pic>
-        <p:nvPicPr>
-          <p:cNvPr id="8" name="Picture 2">
-            <a:extLst>
-              <a:ext uri="{FF2B5EF4-FFF2-40B4-BE49-F238E27FC236}">
-                <a16:creationId xmlns:a16="http://schemas.microsoft.com/office/drawing/2014/main" id="{C198A475-CBC1-471C-A87F-E416360942E4}"/>
-              </a:ext>
-            </a:extLst>
-          </p:cNvPr>
-          <p:cNvPicPr>
-            <a:picLocks noChangeAspect="1" noChangeArrowheads="1"/>
-          </p:cNvPicPr>
-          <p:nvPr userDrawn="1"/>
-        </p:nvPicPr>
-        <p:blipFill rotWithShape="1">
-          <a:blip r:embed="rId2" cstate="screen">
-            <a:extLst>
-              <a:ext uri="{28A0092B-C50C-407E-A947-70E740481C1C}">
-                <a14:useLocalDpi xmlns:a14="http://schemas.microsoft.com/office/drawing/2010/main"/>
-              </a:ext>
-            </a:extLst>
-          </a:blip>
-          <a:srcRect/>
-          <a:stretch/>
-        </p:blipFill>
-        <p:spPr bwMode="auto">
-          <a:xfrm>
-            <a:off x="0" y="980728"/>
-            <a:ext cx="12192000" cy="2952328"/>
-          </a:xfrm>
-          <a:prstGeom prst="rect">
-            <a:avLst/>
-          </a:prstGeom>
-          <a:noFill/>
-          <a:extLst>
-            <a:ext uri="{909E8E84-426E-40DD-AFC4-6F175D3DCCD1}">
-              <a14:hiddenFill xmlns:a14="http://schemas.microsoft.com/office/drawing/2010/main">
-                <a:solidFill>
-                  <a:srgbClr val="FFFFFF"/>
-                </a:solidFill>
-              </a14:hiddenFill>
-            </a:ext>
-          </a:extLst>
-        </p:spPr>
-      </p:pic>
       <p:sp>
         <p:nvSpPr>
           <p:cNvPr id="13" name="Text Placeholder 4">
@@ -2824,7 +2782,7 @@
           <p:nvPr userDrawn="1"/>
         </p:nvPicPr>
         <p:blipFill>
-          <a:blip r:embed="rId3" cstate="screen">
+          <a:blip r:embed="rId2" cstate="email">
             <a:duotone>
               <a:schemeClr val="accent2">
                 <a:shade val="45000"/>
@@ -2897,6 +2855,51 @@
           </a:p>
         </p:txBody>
       </p:sp>
+      <p:pic>
+        <p:nvPicPr>
+          <p:cNvPr id="9" name="Picture 2">
+            <a:extLst>
+              <a:ext uri="{FF2B5EF4-FFF2-40B4-BE49-F238E27FC236}">
+                <a16:creationId xmlns:a16="http://schemas.microsoft.com/office/drawing/2014/main" id="{A3AD7C25-4507-4A98-8E4A-176C03EDF5C9}"/>
+              </a:ext>
+            </a:extLst>
+          </p:cNvPr>
+          <p:cNvPicPr>
+            <a:picLocks noChangeAspect="1" noChangeArrowheads="1"/>
+          </p:cNvPicPr>
+          <p:nvPr userDrawn="1"/>
+        </p:nvPicPr>
+        <p:blipFill rotWithShape="1">
+          <a:blip r:embed="rId3" cstate="email">
+            <a:extLst>
+              <a:ext uri="{28A0092B-C50C-407E-A947-70E740481C1C}">
+                <a14:useLocalDpi xmlns:a14="http://schemas.microsoft.com/office/drawing/2010/main"/>
+              </a:ext>
+            </a:extLst>
+          </a:blip>
+          <a:srcRect/>
+          <a:stretch/>
+        </p:blipFill>
+        <p:spPr bwMode="auto">
+          <a:xfrm>
+            <a:off x="0" y="980726"/>
+            <a:ext cx="12192000" cy="2952329"/>
+          </a:xfrm>
+          <a:prstGeom prst="rect">
+            <a:avLst/>
+          </a:prstGeom>
+          <a:noFill/>
+          <a:extLst>
+            <a:ext uri="{909E8E84-426E-40DD-AFC4-6F175D3DCCD1}">
+              <a14:hiddenFill xmlns:a14="http://schemas.microsoft.com/office/drawing/2010/main">
+                <a:solidFill>
+                  <a:srgbClr val="FFFFFF"/>
+                </a:solidFill>
+              </a14:hiddenFill>
+            </a:ext>
+          </a:extLst>
+        </p:spPr>
+      </p:pic>
     </p:spTree>
     <p:extLst>
       <p:ext uri="{BB962C8B-B14F-4D97-AF65-F5344CB8AC3E}">
@@ -3094,51 +3097,6 @@
           </a:p>
         </p:txBody>
       </p:sp>
-      <p:pic>
-        <p:nvPicPr>
-          <p:cNvPr id="8" name="Picture 2">
-            <a:extLst>
-              <a:ext uri="{FF2B5EF4-FFF2-40B4-BE49-F238E27FC236}">
-                <a16:creationId xmlns:a16="http://schemas.microsoft.com/office/drawing/2014/main" id="{C198A475-CBC1-471C-A87F-E416360942E4}"/>
-              </a:ext>
-            </a:extLst>
-          </p:cNvPr>
-          <p:cNvPicPr>
-            <a:picLocks noChangeAspect="1" noChangeArrowheads="1"/>
-          </p:cNvPicPr>
-          <p:nvPr userDrawn="1"/>
-        </p:nvPicPr>
-        <p:blipFill rotWithShape="1">
-          <a:blip r:embed="rId2" cstate="screen">
-            <a:extLst>
-              <a:ext uri="{28A0092B-C50C-407E-A947-70E740481C1C}">
-                <a14:useLocalDpi xmlns:a14="http://schemas.microsoft.com/office/drawing/2010/main"/>
-              </a:ext>
-            </a:extLst>
-          </a:blip>
-          <a:srcRect/>
-          <a:stretch/>
-        </p:blipFill>
-        <p:spPr bwMode="auto">
-          <a:xfrm>
-            <a:off x="0" y="980726"/>
-            <a:ext cx="12192000" cy="2952329"/>
-          </a:xfrm>
-          <a:prstGeom prst="rect">
-            <a:avLst/>
-          </a:prstGeom>
-          <a:noFill/>
-          <a:extLst>
-            <a:ext uri="{909E8E84-426E-40DD-AFC4-6F175D3DCCD1}">
-              <a14:hiddenFill xmlns:a14="http://schemas.microsoft.com/office/drawing/2010/main">
-                <a:solidFill>
-                  <a:srgbClr val="FFFFFF"/>
-                </a:solidFill>
-              </a14:hiddenFill>
-            </a:ext>
-          </a:extLst>
-        </p:spPr>
-      </p:pic>
       <p:sp>
         <p:nvSpPr>
           <p:cNvPr id="13" name="Text Placeholder 4">
@@ -3463,7 +3421,7 @@
           <p:nvPr userDrawn="1"/>
         </p:nvPicPr>
         <p:blipFill>
-          <a:blip r:embed="rId3" cstate="screen">
+          <a:blip r:embed="rId2" cstate="email">
             <a:duotone>
               <a:schemeClr val="accent2">
                 <a:shade val="45000"/>
@@ -3536,6 +3494,51 @@
           </a:p>
         </p:txBody>
       </p:sp>
+      <p:pic>
+        <p:nvPicPr>
+          <p:cNvPr id="9" name="Picture 2">
+            <a:extLst>
+              <a:ext uri="{FF2B5EF4-FFF2-40B4-BE49-F238E27FC236}">
+                <a16:creationId xmlns:a16="http://schemas.microsoft.com/office/drawing/2014/main" id="{6DBD946E-5C91-4812-BC3A-34DFC06CCCB5}"/>
+              </a:ext>
+            </a:extLst>
+          </p:cNvPr>
+          <p:cNvPicPr>
+            <a:picLocks noChangeAspect="1" noChangeArrowheads="1"/>
+          </p:cNvPicPr>
+          <p:nvPr userDrawn="1"/>
+        </p:nvPicPr>
+        <p:blipFill rotWithShape="1">
+          <a:blip r:embed="rId3" cstate="email">
+            <a:extLst>
+              <a:ext uri="{28A0092B-C50C-407E-A947-70E740481C1C}">
+                <a14:useLocalDpi xmlns:a14="http://schemas.microsoft.com/office/drawing/2010/main"/>
+              </a:ext>
+            </a:extLst>
+          </a:blip>
+          <a:srcRect/>
+          <a:stretch/>
+        </p:blipFill>
+        <p:spPr bwMode="auto">
+          <a:xfrm>
+            <a:off x="0" y="971540"/>
+            <a:ext cx="12192000" cy="2952328"/>
+          </a:xfrm>
+          <a:prstGeom prst="rect">
+            <a:avLst/>
+          </a:prstGeom>
+          <a:noFill/>
+          <a:extLst>
+            <a:ext uri="{909E8E84-426E-40DD-AFC4-6F175D3DCCD1}">
+              <a14:hiddenFill xmlns:a14="http://schemas.microsoft.com/office/drawing/2010/main">
+                <a:solidFill>
+                  <a:srgbClr val="FFFFFF"/>
+                </a:solidFill>
+              </a14:hiddenFill>
+            </a:ext>
+          </a:extLst>
+        </p:spPr>
+      </p:pic>
     </p:spTree>
     <p:extLst>
       <p:ext uri="{BB962C8B-B14F-4D97-AF65-F5344CB8AC3E}">
@@ -3733,51 +3736,6 @@
           </a:p>
         </p:txBody>
       </p:sp>
-      <p:pic>
-        <p:nvPicPr>
-          <p:cNvPr id="8" name="Picture 2">
-            <a:extLst>
-              <a:ext uri="{FF2B5EF4-FFF2-40B4-BE49-F238E27FC236}">
-                <a16:creationId xmlns:a16="http://schemas.microsoft.com/office/drawing/2014/main" id="{C198A475-CBC1-471C-A87F-E416360942E4}"/>
-              </a:ext>
-            </a:extLst>
-          </p:cNvPr>
-          <p:cNvPicPr>
-            <a:picLocks noChangeAspect="1" noChangeArrowheads="1"/>
-          </p:cNvPicPr>
-          <p:nvPr userDrawn="1"/>
-        </p:nvPicPr>
-        <p:blipFill rotWithShape="1">
-          <a:blip r:embed="rId2" cstate="screen">
-            <a:extLst>
-              <a:ext uri="{28A0092B-C50C-407E-A947-70E740481C1C}">
-                <a14:useLocalDpi xmlns:a14="http://schemas.microsoft.com/office/drawing/2010/main"/>
-              </a:ext>
-            </a:extLst>
-          </a:blip>
-          <a:srcRect/>
-          <a:stretch/>
-        </p:blipFill>
-        <p:spPr bwMode="auto">
-          <a:xfrm>
-            <a:off x="0" y="980726"/>
-            <a:ext cx="12192000" cy="2952329"/>
-          </a:xfrm>
-          <a:prstGeom prst="rect">
-            <a:avLst/>
-          </a:prstGeom>
-          <a:noFill/>
-          <a:extLst>
-            <a:ext uri="{909E8E84-426E-40DD-AFC4-6F175D3DCCD1}">
-              <a14:hiddenFill xmlns:a14="http://schemas.microsoft.com/office/drawing/2010/main">
-                <a:solidFill>
-                  <a:srgbClr val="FFFFFF"/>
-                </a:solidFill>
-              </a14:hiddenFill>
-            </a:ext>
-          </a:extLst>
-        </p:spPr>
-      </p:pic>
       <p:sp>
         <p:nvSpPr>
           <p:cNvPr id="13" name="Text Placeholder 4">
@@ -4102,7 +4060,7 @@
           <p:nvPr userDrawn="1"/>
         </p:nvPicPr>
         <p:blipFill>
-          <a:blip r:embed="rId3" cstate="screen">
+          <a:blip r:embed="rId2" cstate="email">
             <a:duotone>
               <a:schemeClr val="accent2">
                 <a:shade val="45000"/>
@@ -4175,6 +4133,51 @@
           </a:p>
         </p:txBody>
       </p:sp>
+      <p:pic>
+        <p:nvPicPr>
+          <p:cNvPr id="9" name="Picture 2">
+            <a:extLst>
+              <a:ext uri="{FF2B5EF4-FFF2-40B4-BE49-F238E27FC236}">
+                <a16:creationId xmlns:a16="http://schemas.microsoft.com/office/drawing/2014/main" id="{C1184554-1296-4407-9683-60F1CB9BB5BE}"/>
+              </a:ext>
+            </a:extLst>
+          </p:cNvPr>
+          <p:cNvPicPr>
+            <a:picLocks noChangeAspect="1" noChangeArrowheads="1"/>
+          </p:cNvPicPr>
+          <p:nvPr userDrawn="1"/>
+        </p:nvPicPr>
+        <p:blipFill rotWithShape="1">
+          <a:blip r:embed="rId3" cstate="email">
+            <a:extLst>
+              <a:ext uri="{28A0092B-C50C-407E-A947-70E740481C1C}">
+                <a14:useLocalDpi xmlns:a14="http://schemas.microsoft.com/office/drawing/2010/main"/>
+              </a:ext>
+            </a:extLst>
+          </a:blip>
+          <a:srcRect/>
+          <a:stretch/>
+        </p:blipFill>
+        <p:spPr bwMode="auto">
+          <a:xfrm>
+            <a:off x="-6980" y="971540"/>
+            <a:ext cx="12198980" cy="2963212"/>
+          </a:xfrm>
+          <a:prstGeom prst="rect">
+            <a:avLst/>
+          </a:prstGeom>
+          <a:noFill/>
+          <a:extLst>
+            <a:ext uri="{909E8E84-426E-40DD-AFC4-6F175D3DCCD1}">
+              <a14:hiddenFill xmlns:a14="http://schemas.microsoft.com/office/drawing/2010/main">
+                <a:solidFill>
+                  <a:srgbClr val="FFFFFF"/>
+                </a:solidFill>
+              </a14:hiddenFill>
+            </a:ext>
+          </a:extLst>
+        </p:spPr>
+      </p:pic>
     </p:spTree>
     <p:extLst>
       <p:ext uri="{BB962C8B-B14F-4D97-AF65-F5344CB8AC3E}">
@@ -4372,51 +4375,6 @@
           </a:p>
         </p:txBody>
       </p:sp>
-      <p:pic>
-        <p:nvPicPr>
-          <p:cNvPr id="8" name="Picture 2">
-            <a:extLst>
-              <a:ext uri="{FF2B5EF4-FFF2-40B4-BE49-F238E27FC236}">
-                <a16:creationId xmlns:a16="http://schemas.microsoft.com/office/drawing/2014/main" id="{C198A475-CBC1-471C-A87F-E416360942E4}"/>
-              </a:ext>
-            </a:extLst>
-          </p:cNvPr>
-          <p:cNvPicPr>
-            <a:picLocks noChangeAspect="1" noChangeArrowheads="1"/>
-          </p:cNvPicPr>
-          <p:nvPr userDrawn="1"/>
-        </p:nvPicPr>
-        <p:blipFill rotWithShape="1">
-          <a:blip r:embed="rId2" cstate="screen">
-            <a:extLst>
-              <a:ext uri="{28A0092B-C50C-407E-A947-70E740481C1C}">
-                <a14:useLocalDpi xmlns:a14="http://schemas.microsoft.com/office/drawing/2010/main"/>
-              </a:ext>
-            </a:extLst>
-          </a:blip>
-          <a:srcRect/>
-          <a:stretch/>
-        </p:blipFill>
-        <p:spPr bwMode="auto">
-          <a:xfrm>
-            <a:off x="0" y="980726"/>
-            <a:ext cx="12192000" cy="2952330"/>
-          </a:xfrm>
-          <a:prstGeom prst="rect">
-            <a:avLst/>
-          </a:prstGeom>
-          <a:noFill/>
-          <a:extLst>
-            <a:ext uri="{909E8E84-426E-40DD-AFC4-6F175D3DCCD1}">
-              <a14:hiddenFill xmlns:a14="http://schemas.microsoft.com/office/drawing/2010/main">
-                <a:solidFill>
-                  <a:srgbClr val="FFFFFF"/>
-                </a:solidFill>
-              </a14:hiddenFill>
-            </a:ext>
-          </a:extLst>
-        </p:spPr>
-      </p:pic>
       <p:sp>
         <p:nvSpPr>
           <p:cNvPr id="13" name="Text Placeholder 4">
@@ -4741,7 +4699,7 @@
           <p:nvPr userDrawn="1"/>
         </p:nvPicPr>
         <p:blipFill>
-          <a:blip r:embed="rId3" cstate="screen">
+          <a:blip r:embed="rId2" cstate="email">
             <a:duotone>
               <a:schemeClr val="accent2">
                 <a:shade val="45000"/>
@@ -4814,6 +4772,51 @@
           </a:p>
         </p:txBody>
       </p:sp>
+      <p:pic>
+        <p:nvPicPr>
+          <p:cNvPr id="9" name="Picture 2">
+            <a:extLst>
+              <a:ext uri="{FF2B5EF4-FFF2-40B4-BE49-F238E27FC236}">
+                <a16:creationId xmlns:a16="http://schemas.microsoft.com/office/drawing/2014/main" id="{98508A2E-E33D-44E8-9633-A9982A197D89}"/>
+              </a:ext>
+            </a:extLst>
+          </p:cNvPr>
+          <p:cNvPicPr>
+            <a:picLocks noChangeAspect="1" noChangeArrowheads="1"/>
+          </p:cNvPicPr>
+          <p:nvPr userDrawn="1"/>
+        </p:nvPicPr>
+        <p:blipFill rotWithShape="1">
+          <a:blip r:embed="rId3" cstate="email">
+            <a:extLst>
+              <a:ext uri="{28A0092B-C50C-407E-A947-70E740481C1C}">
+                <a14:useLocalDpi xmlns:a14="http://schemas.microsoft.com/office/drawing/2010/main"/>
+              </a:ext>
+            </a:extLst>
+          </a:blip>
+          <a:srcRect/>
+          <a:stretch/>
+        </p:blipFill>
+        <p:spPr bwMode="auto">
+          <a:xfrm>
+            <a:off x="0" y="980728"/>
+            <a:ext cx="12216680" cy="2952328"/>
+          </a:xfrm>
+          <a:prstGeom prst="rect">
+            <a:avLst/>
+          </a:prstGeom>
+          <a:noFill/>
+          <a:extLst>
+            <a:ext uri="{909E8E84-426E-40DD-AFC4-6F175D3DCCD1}">
+              <a14:hiddenFill xmlns:a14="http://schemas.microsoft.com/office/drawing/2010/main">
+                <a:solidFill>
+                  <a:srgbClr val="FFFFFF"/>
+                </a:solidFill>
+              </a14:hiddenFill>
+            </a:ext>
+          </a:extLst>
+        </p:spPr>
+      </p:pic>
     </p:spTree>
     <p:extLst>
       <p:ext uri="{BB962C8B-B14F-4D97-AF65-F5344CB8AC3E}">
@@ -5052,7 +5055,7 @@
           <p:nvPr userDrawn="1"/>
         </p:nvPicPr>
         <p:blipFill>
-          <a:blip r:embed="rId2" cstate="screen">
+          <a:blip r:embed="rId2" cstate="email">
             <a:duotone>
               <a:schemeClr val="accent2">
                 <a:shade val="45000"/>
@@ -5094,7 +5097,7 @@
           <p:nvPr userDrawn="1"/>
         </p:nvPicPr>
         <p:blipFill>
-          <a:blip r:embed="rId3" cstate="screen">
+          <a:blip r:embed="rId3" cstate="email">
             <a:clrChange>
               <a:clrFrom>
                 <a:srgbClr val="000000">
@@ -5153,7 +5156,7 @@
         <p:spPr>
           <a:xfrm>
             <a:off x="321269" y="6248195"/>
-            <a:ext cx="973343" cy="338554"/>
+            <a:ext cx="1374094" cy="338554"/>
           </a:xfrm>
           <a:prstGeom prst="rect">
             <a:avLst/>
@@ -5174,7 +5177,7 @@
                 </a:solidFill>
                 <a:latin typeface="+mn-lt"/>
               </a:rPr>
-              <a:t> L#, S</a:t>
+              <a:t> M#, L#, S</a:t>
             </a:r>
             <a:fld id="{C49D20B1-0957-4D96-933D-CE19A2178CB6}" type="slidenum">
               <a:rPr lang="en-CA" sz="1600" smtClean="0">
@@ -5488,63 +5491,6 @@
           </a:p>
         </p:txBody>
       </p:sp>
-      <p:sp>
-        <p:nvSpPr>
-          <p:cNvPr id="5" name="TextBox 4">
-            <a:extLst>
-              <a:ext uri="{FF2B5EF4-FFF2-40B4-BE49-F238E27FC236}">
-                <a16:creationId xmlns:a16="http://schemas.microsoft.com/office/drawing/2014/main" id="{A85529D5-AB37-4704-B3CF-590367B0B1BD}"/>
-              </a:ext>
-            </a:extLst>
-          </p:cNvPr>
-          <p:cNvSpPr txBox="1"/>
-          <p:nvPr userDrawn="1"/>
-        </p:nvSpPr>
-        <p:spPr>
-          <a:xfrm>
-            <a:off x="321269" y="6248195"/>
-            <a:ext cx="973343" cy="338554"/>
-          </a:xfrm>
-          <a:prstGeom prst="rect">
-            <a:avLst/>
-          </a:prstGeom>
-          <a:noFill/>
-        </p:spPr>
-        <p:txBody>
-          <a:bodyPr wrap="none" rtlCol="0">
-            <a:spAutoFit/>
-          </a:bodyPr>
-          <a:lstStyle/>
-          <a:p>
-            <a:pPr algn="l"/>
-            <a:r>
-              <a:rPr lang="en-CA" sz="1600" dirty="0">
-                <a:solidFill>
-                  <a:schemeClr val="bg1"/>
-                </a:solidFill>
-                <a:latin typeface="+mn-lt"/>
-              </a:rPr>
-              <a:t> L#, S</a:t>
-            </a:r>
-            <a:fld id="{C49D20B1-0957-4D96-933D-CE19A2178CB6}" type="slidenum">
-              <a:rPr lang="en-CA" sz="1600" smtClean="0">
-                <a:solidFill>
-                  <a:schemeClr val="bg1"/>
-                </a:solidFill>
-                <a:latin typeface="+mn-lt"/>
-              </a:rPr>
-              <a:pPr algn="l"/>
-              <a:t>‹#›</a:t>
-            </a:fld>
-            <a:endParaRPr lang="en-CA" sz="1600" dirty="0">
-              <a:solidFill>
-                <a:schemeClr val="bg1"/>
-              </a:solidFill>
-              <a:latin typeface="+mn-lt"/>
-            </a:endParaRPr>
-          </a:p>
-        </p:txBody>
-      </p:sp>
       <p:pic>
         <p:nvPicPr>
           <p:cNvPr id="8" name="Picture 7">
@@ -5560,7 +5506,7 @@
           <p:nvPr userDrawn="1"/>
         </p:nvPicPr>
         <p:blipFill>
-          <a:blip r:embed="rId2" cstate="screen">
+          <a:blip r:embed="rId2" cstate="email">
             <a:duotone>
               <a:schemeClr val="accent2">
                 <a:shade val="45000"/>
@@ -5587,6 +5533,63 @@
           </a:prstGeom>
         </p:spPr>
       </p:pic>
+      <p:sp>
+        <p:nvSpPr>
+          <p:cNvPr id="9" name="TextBox 8">
+            <a:extLst>
+              <a:ext uri="{FF2B5EF4-FFF2-40B4-BE49-F238E27FC236}">
+                <a16:creationId xmlns:a16="http://schemas.microsoft.com/office/drawing/2014/main" id="{F850DB85-60C0-4AF3-BAC7-8949CB59DB84}"/>
+              </a:ext>
+            </a:extLst>
+          </p:cNvPr>
+          <p:cNvSpPr txBox="1"/>
+          <p:nvPr userDrawn="1"/>
+        </p:nvSpPr>
+        <p:spPr>
+          <a:xfrm>
+            <a:off x="321269" y="6248195"/>
+            <a:ext cx="1374094" cy="338554"/>
+          </a:xfrm>
+          <a:prstGeom prst="rect">
+            <a:avLst/>
+          </a:prstGeom>
+          <a:noFill/>
+        </p:spPr>
+        <p:txBody>
+          <a:bodyPr wrap="none" rtlCol="0">
+            <a:spAutoFit/>
+          </a:bodyPr>
+          <a:lstStyle/>
+          <a:p>
+            <a:pPr algn="l"/>
+            <a:r>
+              <a:rPr lang="en-CA" sz="1600" dirty="0">
+                <a:solidFill>
+                  <a:schemeClr val="bg1"/>
+                </a:solidFill>
+                <a:latin typeface="+mn-lt"/>
+              </a:rPr>
+              <a:t> M#, L#, S</a:t>
+            </a:r>
+            <a:fld id="{C49D20B1-0957-4D96-933D-CE19A2178CB6}" type="slidenum">
+              <a:rPr lang="en-CA" sz="1600" smtClean="0">
+                <a:solidFill>
+                  <a:schemeClr val="bg1"/>
+                </a:solidFill>
+                <a:latin typeface="+mn-lt"/>
+              </a:rPr>
+              <a:pPr algn="l"/>
+              <a:t>‹#›</a:t>
+            </a:fld>
+            <a:endParaRPr lang="en-CA" sz="1600" dirty="0">
+              <a:solidFill>
+                <a:schemeClr val="bg1"/>
+              </a:solidFill>
+              <a:latin typeface="+mn-lt"/>
+            </a:endParaRPr>
+          </a:p>
+        </p:txBody>
+      </p:sp>
     </p:spTree>
     <p:extLst>
       <p:ext uri="{BB962C8B-B14F-4D97-AF65-F5344CB8AC3E}">
@@ -6068,7 +6071,7 @@
           <p:nvPr userDrawn="1"/>
         </p:nvPicPr>
         <p:blipFill>
-          <a:blip r:embed="rId2" cstate="screen">
+          <a:blip r:embed="rId2" cstate="email">
             <a:duotone>
               <a:schemeClr val="accent2">
                 <a:shade val="45000"/>
@@ -6097,10 +6100,10 @@
       </p:pic>
       <p:sp>
         <p:nvSpPr>
-          <p:cNvPr id="22" name="TextBox 21">
+          <p:cNvPr id="11" name="TextBox 10">
             <a:extLst>
               <a:ext uri="{FF2B5EF4-FFF2-40B4-BE49-F238E27FC236}">
-                <a16:creationId xmlns:a16="http://schemas.microsoft.com/office/drawing/2014/main" id="{7D2667D4-256C-4A46-B1D9-CE4151C06E48}"/>
+                <a16:creationId xmlns:a16="http://schemas.microsoft.com/office/drawing/2014/main" id="{ECB77BA8-4770-4294-A0B1-A813942D3988}"/>
               </a:ext>
             </a:extLst>
           </p:cNvPr>
@@ -6110,7 +6113,7 @@
         <p:spPr>
           <a:xfrm>
             <a:off x="321269" y="6248195"/>
-            <a:ext cx="973343" cy="338554"/>
+            <a:ext cx="1374094" cy="338554"/>
           </a:xfrm>
           <a:prstGeom prst="rect">
             <a:avLst/>
@@ -6131,7 +6134,7 @@
                 </a:solidFill>
                 <a:latin typeface="+mn-lt"/>
               </a:rPr>
-              <a:t> L#, S</a:t>
+              <a:t> M#, L#, S</a:t>
             </a:r>
             <a:fld id="{C49D20B1-0957-4D96-933D-CE19A2178CB6}" type="slidenum">
               <a:rPr lang="en-CA" sz="1600" smtClean="0">
@@ -7510,10 +7513,10 @@
           <p:nvPr/>
         </p:nvPicPr>
         <p:blipFill>
-          <a:blip r:embed="rId2">
+          <a:blip r:embed="rId2" cstate="email">
             <a:extLst>
               <a:ext uri="{28A0092B-C50C-407E-A947-70E740481C1C}">
-                <a14:useLocalDpi xmlns:a14="http://schemas.microsoft.com/office/drawing/2010/main" val="0"/>
+                <a14:useLocalDpi xmlns:a14="http://schemas.microsoft.com/office/drawing/2010/main"/>
               </a:ext>
             </a:extLst>
           </a:blip>
